--- a/_raw/img.pptx
+++ b/_raw/img.pptx
@@ -5,10 +5,11 @@
     <p:sldMasterId id="2147483648" r:id="rId1"/>
   </p:sldMasterIdLst>
   <p:notesMasterIdLst>
-    <p:notesMasterId r:id="rId3"/>
+    <p:notesMasterId r:id="rId4"/>
   </p:notesMasterIdLst>
   <p:sldIdLst>
     <p:sldId id="256" r:id="rId2"/>
+    <p:sldId id="257" r:id="rId3"/>
   </p:sldIdLst>
   <p:sldSz cx="12192000" cy="6858000"/>
   <p:notesSz cx="6858000" cy="9144000"/>
@@ -3837,6 +3838,66 @@
     <p:extLst>
       <p:ext uri="{BB962C8B-B14F-4D97-AF65-F5344CB8AC3E}">
         <p14:creationId xmlns:p14="http://schemas.microsoft.com/office/powerpoint/2010/main" val="1139672485"/>
+      </p:ext>
+    </p:extLst>
+  </p:cSld>
+  <p:clrMapOvr>
+    <a:masterClrMapping/>
+  </p:clrMapOvr>
+</p:sld>
+</file>
+
+<file path=ppt/slides/slide2.xml><?xml version="1.0" encoding="utf-8"?>
+<p:sld xmlns:a="http://schemas.openxmlformats.org/drawingml/2006/main" xmlns:r="http://schemas.openxmlformats.org/officeDocument/2006/relationships" xmlns:p="http://schemas.openxmlformats.org/presentationml/2006/main">
+  <p:cSld>
+    <p:spTree>
+      <p:nvGrpSpPr>
+        <p:cNvPr id="1" name=""/>
+        <p:cNvGrpSpPr/>
+        <p:nvPr/>
+      </p:nvGrpSpPr>
+      <p:grpSpPr>
+        <a:xfrm>
+          <a:off x="0" y="0"/>
+          <a:ext cx="0" cy="0"/>
+          <a:chOff x="0" y="0"/>
+          <a:chExt cx="0" cy="0"/>
+        </a:xfrm>
+      </p:grpSpPr>
+      <p:pic>
+        <p:nvPicPr>
+          <p:cNvPr id="6" name="그림 5" descr="텍스트, 하늘, 표지판, 실외이(가) 표시된 사진&#10;&#10;자동 생성된 설명">
+            <a:extLst>
+              <a:ext uri="{FF2B5EF4-FFF2-40B4-BE49-F238E27FC236}">
+                <a16:creationId xmlns:a16="http://schemas.microsoft.com/office/drawing/2014/main" id="{4E2E2591-8405-5242-BC9B-900097519783}"/>
+              </a:ext>
+            </a:extLst>
+          </p:cNvPr>
+          <p:cNvPicPr>
+            <a:picLocks noChangeAspect="1"/>
+          </p:cNvPicPr>
+          <p:nvPr/>
+        </p:nvPicPr>
+        <p:blipFill>
+          <a:blip r:embed="rId2"/>
+          <a:stretch>
+            <a:fillRect/>
+          </a:stretch>
+        </p:blipFill>
+        <p:spPr>
+          <a:xfrm>
+            <a:off x="569520" y="1474107"/>
+            <a:ext cx="10744200" cy="4432300"/>
+          </a:xfrm>
+          <a:prstGeom prst="rect">
+            <a:avLst/>
+          </a:prstGeom>
+        </p:spPr>
+      </p:pic>
+    </p:spTree>
+    <p:extLst>
+      <p:ext uri="{BB962C8B-B14F-4D97-AF65-F5344CB8AC3E}">
+        <p14:creationId xmlns:p14="http://schemas.microsoft.com/office/powerpoint/2010/main" val="1392079622"/>
       </p:ext>
     </p:extLst>
   </p:cSld>

--- a/_raw/img.pptx
+++ b/_raw/img.pptx
@@ -5,11 +5,12 @@
     <p:sldMasterId id="2147483648" r:id="rId1"/>
   </p:sldMasterIdLst>
   <p:notesMasterIdLst>
-    <p:notesMasterId r:id="rId4"/>
+    <p:notesMasterId r:id="rId5"/>
   </p:notesMasterIdLst>
   <p:sldIdLst>
     <p:sldId id="256" r:id="rId2"/>
     <p:sldId id="257" r:id="rId3"/>
+    <p:sldId id="258" r:id="rId4"/>
   </p:sldIdLst>
   <p:sldSz cx="12192000" cy="6858000"/>
   <p:notesSz cx="6858000" cy="9144000"/>
@@ -209,7 +210,7 @@
           <a:p>
             <a:fld id="{A0F2C3BC-807B-0F44-8628-007C53BB3AB0}" type="datetimeFigureOut">
               <a:rPr kumimoji="1" lang="ko-KR" altLang="en-US" smtClean="0"/>
-              <a:t>2021. 2. 28.</a:t>
+              <a:t>2021. 3. 20.</a:t>
             </a:fld>
             <a:endParaRPr kumimoji="1" lang="ko-KR" altLang="en-US"/>
           </a:p>
@@ -727,7 +728,7 @@
           <a:p>
             <a:fld id="{6C230EC4-A28F-0447-BB12-263E0B8A718F}" type="datetimeFigureOut">
               <a:rPr kumimoji="1" lang="ko-KR" altLang="en-US" smtClean="0"/>
-              <a:t>2021. 2. 28.</a:t>
+              <a:t>2021. 3. 20.</a:t>
             </a:fld>
             <a:endParaRPr kumimoji="1" lang="ko-KR" altLang="en-US"/>
           </a:p>
@@ -925,7 +926,7 @@
           <a:p>
             <a:fld id="{6C230EC4-A28F-0447-BB12-263E0B8A718F}" type="datetimeFigureOut">
               <a:rPr kumimoji="1" lang="ko-KR" altLang="en-US" smtClean="0"/>
-              <a:t>2021. 2. 28.</a:t>
+              <a:t>2021. 3. 20.</a:t>
             </a:fld>
             <a:endParaRPr kumimoji="1" lang="ko-KR" altLang="en-US"/>
           </a:p>
@@ -1133,7 +1134,7 @@
           <a:p>
             <a:fld id="{6C230EC4-A28F-0447-BB12-263E0B8A718F}" type="datetimeFigureOut">
               <a:rPr kumimoji="1" lang="ko-KR" altLang="en-US" smtClean="0"/>
-              <a:t>2021. 2. 28.</a:t>
+              <a:t>2021. 3. 20.</a:t>
             </a:fld>
             <a:endParaRPr kumimoji="1" lang="ko-KR" altLang="en-US"/>
           </a:p>
@@ -1331,7 +1332,7 @@
           <a:p>
             <a:fld id="{6C230EC4-A28F-0447-BB12-263E0B8A718F}" type="datetimeFigureOut">
               <a:rPr kumimoji="1" lang="ko-KR" altLang="en-US" smtClean="0"/>
-              <a:t>2021. 2. 28.</a:t>
+              <a:t>2021. 3. 20.</a:t>
             </a:fld>
             <a:endParaRPr kumimoji="1" lang="ko-KR" altLang="en-US"/>
           </a:p>
@@ -1606,7 +1607,7 @@
           <a:p>
             <a:fld id="{6C230EC4-A28F-0447-BB12-263E0B8A718F}" type="datetimeFigureOut">
               <a:rPr kumimoji="1" lang="ko-KR" altLang="en-US" smtClean="0"/>
-              <a:t>2021. 2. 28.</a:t>
+              <a:t>2021. 3. 20.</a:t>
             </a:fld>
             <a:endParaRPr kumimoji="1" lang="ko-KR" altLang="en-US"/>
           </a:p>
@@ -1871,7 +1872,7 @@
           <a:p>
             <a:fld id="{6C230EC4-A28F-0447-BB12-263E0B8A718F}" type="datetimeFigureOut">
               <a:rPr kumimoji="1" lang="ko-KR" altLang="en-US" smtClean="0"/>
-              <a:t>2021. 2. 28.</a:t>
+              <a:t>2021. 3. 20.</a:t>
             </a:fld>
             <a:endParaRPr kumimoji="1" lang="ko-KR" altLang="en-US"/>
           </a:p>
@@ -2283,7 +2284,7 @@
           <a:p>
             <a:fld id="{6C230EC4-A28F-0447-BB12-263E0B8A718F}" type="datetimeFigureOut">
               <a:rPr kumimoji="1" lang="ko-KR" altLang="en-US" smtClean="0"/>
-              <a:t>2021. 2. 28.</a:t>
+              <a:t>2021. 3. 20.</a:t>
             </a:fld>
             <a:endParaRPr kumimoji="1" lang="ko-KR" altLang="en-US"/>
           </a:p>
@@ -2424,7 +2425,7 @@
           <a:p>
             <a:fld id="{6C230EC4-A28F-0447-BB12-263E0B8A718F}" type="datetimeFigureOut">
               <a:rPr kumimoji="1" lang="ko-KR" altLang="en-US" smtClean="0"/>
-              <a:t>2021. 2. 28.</a:t>
+              <a:t>2021. 3. 20.</a:t>
             </a:fld>
             <a:endParaRPr kumimoji="1" lang="ko-KR" altLang="en-US"/>
           </a:p>
@@ -2537,7 +2538,7 @@
           <a:p>
             <a:fld id="{6C230EC4-A28F-0447-BB12-263E0B8A718F}" type="datetimeFigureOut">
               <a:rPr kumimoji="1" lang="ko-KR" altLang="en-US" smtClean="0"/>
-              <a:t>2021. 2. 28.</a:t>
+              <a:t>2021. 3. 20.</a:t>
             </a:fld>
             <a:endParaRPr kumimoji="1" lang="ko-KR" altLang="en-US"/>
           </a:p>
@@ -2848,7 +2849,7 @@
           <a:p>
             <a:fld id="{6C230EC4-A28F-0447-BB12-263E0B8A718F}" type="datetimeFigureOut">
               <a:rPr kumimoji="1" lang="ko-KR" altLang="en-US" smtClean="0"/>
-              <a:t>2021. 2. 28.</a:t>
+              <a:t>2021. 3. 20.</a:t>
             </a:fld>
             <a:endParaRPr kumimoji="1" lang="ko-KR" altLang="en-US"/>
           </a:p>
@@ -3136,7 +3137,7 @@
           <a:p>
             <a:fld id="{6C230EC4-A28F-0447-BB12-263E0B8A718F}" type="datetimeFigureOut">
               <a:rPr kumimoji="1" lang="ko-KR" altLang="en-US" smtClean="0"/>
-              <a:t>2021. 2. 28.</a:t>
+              <a:t>2021. 3. 20.</a:t>
             </a:fld>
             <a:endParaRPr kumimoji="1" lang="ko-KR" altLang="en-US"/>
           </a:p>
@@ -3377,7 +3378,7 @@
           <a:p>
             <a:fld id="{6C230EC4-A28F-0447-BB12-263E0B8A718F}" type="datetimeFigureOut">
               <a:rPr kumimoji="1" lang="ko-KR" altLang="en-US" smtClean="0"/>
-              <a:t>2021. 2. 28.</a:t>
+              <a:t>2021. 3. 20.</a:t>
             </a:fld>
             <a:endParaRPr kumimoji="1" lang="ko-KR" altLang="en-US"/>
           </a:p>
@@ -3898,6 +3899,117 @@
     <p:extLst>
       <p:ext uri="{BB962C8B-B14F-4D97-AF65-F5344CB8AC3E}">
         <p14:creationId xmlns:p14="http://schemas.microsoft.com/office/powerpoint/2010/main" val="1392079622"/>
+      </p:ext>
+    </p:extLst>
+  </p:cSld>
+  <p:clrMapOvr>
+    <a:masterClrMapping/>
+  </p:clrMapOvr>
+</p:sld>
+</file>
+
+<file path=ppt/slides/slide3.xml><?xml version="1.0" encoding="utf-8"?>
+<p:sld xmlns:a="http://schemas.openxmlformats.org/drawingml/2006/main" xmlns:r="http://schemas.openxmlformats.org/officeDocument/2006/relationships" xmlns:p="http://schemas.openxmlformats.org/presentationml/2006/main">
+  <p:cSld>
+    <p:spTree>
+      <p:nvGrpSpPr>
+        <p:cNvPr id="1" name=""/>
+        <p:cNvGrpSpPr/>
+        <p:nvPr/>
+      </p:nvGrpSpPr>
+      <p:grpSpPr>
+        <a:xfrm>
+          <a:off x="0" y="0"/>
+          <a:ext cx="0" cy="0"/>
+          <a:chOff x="0" y="0"/>
+          <a:chExt cx="0" cy="0"/>
+        </a:xfrm>
+      </p:grpSpPr>
+      <p:pic>
+        <p:nvPicPr>
+          <p:cNvPr id="5" name="그림 4">
+            <a:extLst>
+              <a:ext uri="{FF2B5EF4-FFF2-40B4-BE49-F238E27FC236}">
+                <a16:creationId xmlns:a16="http://schemas.microsoft.com/office/drawing/2014/main" id="{04D25DAD-10BC-DA4C-86A3-1CA70DC36BA8}"/>
+              </a:ext>
+            </a:extLst>
+          </p:cNvPr>
+          <p:cNvPicPr>
+            <a:picLocks noChangeAspect="1"/>
+          </p:cNvPicPr>
+          <p:nvPr/>
+        </p:nvPicPr>
+        <p:blipFill rotWithShape="1">
+          <a:blip r:embed="rId2"/>
+          <a:srcRect l="3039" t="20811" r="9796" b="13334"/>
+          <a:stretch/>
+        </p:blipFill>
+        <p:spPr>
+          <a:xfrm>
+            <a:off x="1136822" y="1025612"/>
+            <a:ext cx="10626810" cy="4516394"/>
+          </a:xfrm>
+          <a:prstGeom prst="rect">
+            <a:avLst/>
+          </a:prstGeom>
+        </p:spPr>
+      </p:pic>
+      <p:sp>
+        <p:nvSpPr>
+          <p:cNvPr id="6" name="직사각형 5">
+            <a:extLst>
+              <a:ext uri="{FF2B5EF4-FFF2-40B4-BE49-F238E27FC236}">
+                <a16:creationId xmlns:a16="http://schemas.microsoft.com/office/drawing/2014/main" id="{12980C49-84F9-7649-8548-AC2729177769}"/>
+              </a:ext>
+            </a:extLst>
+          </p:cNvPr>
+          <p:cNvSpPr/>
+          <p:nvPr/>
+        </p:nvSpPr>
+        <p:spPr>
+          <a:xfrm>
+            <a:off x="2481943" y="1025612"/>
+            <a:ext cx="485738" cy="290382"/>
+          </a:xfrm>
+          <a:prstGeom prst="rect">
+            <a:avLst/>
+          </a:prstGeom>
+          <a:solidFill>
+            <a:srgbClr val="838C91"/>
+          </a:solidFill>
+          <a:ln>
+            <a:noFill/>
+          </a:ln>
+        </p:spPr>
+        <p:style>
+          <a:lnRef idx="2">
+            <a:schemeClr val="accent1">
+              <a:shade val="50000"/>
+            </a:schemeClr>
+          </a:lnRef>
+          <a:fillRef idx="1">
+            <a:schemeClr val="accent1"/>
+          </a:fillRef>
+          <a:effectRef idx="0">
+            <a:schemeClr val="accent1"/>
+          </a:effectRef>
+          <a:fontRef idx="minor">
+            <a:schemeClr val="lt1"/>
+          </a:fontRef>
+        </p:style>
+        <p:txBody>
+          <a:bodyPr rtlCol="0" anchor="ctr"/>
+          <a:lstStyle/>
+          <a:p>
+            <a:pPr algn="ctr"/>
+            <a:endParaRPr kumimoji="1" lang="ko-KR" altLang="en-US"/>
+          </a:p>
+        </p:txBody>
+      </p:sp>
+    </p:spTree>
+    <p:extLst>
+      <p:ext uri="{BB962C8B-B14F-4D97-AF65-F5344CB8AC3E}">
+        <p14:creationId xmlns:p14="http://schemas.microsoft.com/office/powerpoint/2010/main" val="641385631"/>
       </p:ext>
     </p:extLst>
   </p:cSld>

--- a/_raw/img.pptx
+++ b/_raw/img.pptx
@@ -5,12 +5,13 @@
     <p:sldMasterId id="2147483648" r:id="rId1"/>
   </p:sldMasterIdLst>
   <p:notesMasterIdLst>
-    <p:notesMasterId r:id="rId5"/>
+    <p:notesMasterId r:id="rId6"/>
   </p:notesMasterIdLst>
   <p:sldIdLst>
     <p:sldId id="256" r:id="rId2"/>
     <p:sldId id="257" r:id="rId3"/>
     <p:sldId id="258" r:id="rId4"/>
+    <p:sldId id="259" r:id="rId5"/>
   </p:sldIdLst>
   <p:sldSz cx="12192000" cy="6858000"/>
   <p:notesSz cx="6858000" cy="9144000"/>
@@ -210,7 +211,7 @@
           <a:p>
             <a:fld id="{A0F2C3BC-807B-0F44-8628-007C53BB3AB0}" type="datetimeFigureOut">
               <a:rPr kumimoji="1" lang="ko-KR" altLang="en-US" smtClean="0"/>
-              <a:t>2021. 3. 20.</a:t>
+              <a:t>2021. 3. 26.</a:t>
             </a:fld>
             <a:endParaRPr kumimoji="1" lang="ko-KR" altLang="en-US"/>
           </a:p>
@@ -581,6 +582,94 @@
 </p:notes>
 </file>
 
+<file path=ppt/notesSlides/notesSlide2.xml><?xml version="1.0" encoding="utf-8"?>
+<p:notes xmlns:a="http://schemas.openxmlformats.org/drawingml/2006/main" xmlns:r="http://schemas.openxmlformats.org/officeDocument/2006/relationships" xmlns:p="http://schemas.openxmlformats.org/presentationml/2006/main">
+  <p:cSld>
+    <p:spTree>
+      <p:nvGrpSpPr>
+        <p:cNvPr id="1" name=""/>
+        <p:cNvGrpSpPr/>
+        <p:nvPr/>
+      </p:nvGrpSpPr>
+      <p:grpSpPr>
+        <a:xfrm>
+          <a:off x="0" y="0"/>
+          <a:ext cx="0" cy="0"/>
+          <a:chOff x="0" y="0"/>
+          <a:chExt cx="0" cy="0"/>
+        </a:xfrm>
+      </p:grpSpPr>
+      <p:sp>
+        <p:nvSpPr>
+          <p:cNvPr id="2" name="슬라이드 이미지 개체 틀 1"/>
+          <p:cNvSpPr>
+            <a:spLocks noGrp="1" noRot="1" noChangeAspect="1"/>
+          </p:cNvSpPr>
+          <p:nvPr>
+            <p:ph type="sldImg"/>
+          </p:nvPr>
+        </p:nvSpPr>
+        <p:spPr/>
+      </p:sp>
+      <p:sp>
+        <p:nvSpPr>
+          <p:cNvPr id="3" name="슬라이드 노트 개체 틀 2"/>
+          <p:cNvSpPr>
+            <a:spLocks noGrp="1"/>
+          </p:cNvSpPr>
+          <p:nvPr>
+            <p:ph type="body" idx="1"/>
+          </p:nvPr>
+        </p:nvSpPr>
+        <p:spPr/>
+        <p:txBody>
+          <a:bodyPr/>
+          <a:lstStyle/>
+          <a:p>
+            <a:r>
+              <a:rPr kumimoji="1" lang="en-US" altLang="ko-KR" dirty="0"/>
+              <a:t>03/17 ~ 03/25</a:t>
+            </a:r>
+            <a:endParaRPr kumimoji="1" lang="ko-KR" altLang="en-US" dirty="0"/>
+          </a:p>
+        </p:txBody>
+      </p:sp>
+      <p:sp>
+        <p:nvSpPr>
+          <p:cNvPr id="4" name="슬라이드 번호 개체 틀 3"/>
+          <p:cNvSpPr>
+            <a:spLocks noGrp="1"/>
+          </p:cNvSpPr>
+          <p:nvPr>
+            <p:ph type="sldNum" sz="quarter" idx="5"/>
+          </p:nvPr>
+        </p:nvSpPr>
+        <p:spPr/>
+        <p:txBody>
+          <a:bodyPr/>
+          <a:lstStyle/>
+          <a:p>
+            <a:fld id="{06D6FB4C-B1D2-0943-9032-DC5CFB0CBEF3}" type="slidenum">
+              <a:rPr kumimoji="1" lang="ko-KR" altLang="en-US" smtClean="0"/>
+              <a:t>4</a:t>
+            </a:fld>
+            <a:endParaRPr kumimoji="1" lang="ko-KR" altLang="en-US"/>
+          </a:p>
+        </p:txBody>
+      </p:sp>
+    </p:spTree>
+    <p:extLst>
+      <p:ext uri="{BB962C8B-B14F-4D97-AF65-F5344CB8AC3E}">
+        <p14:creationId xmlns:p14="http://schemas.microsoft.com/office/powerpoint/2010/main" val="3146184078"/>
+      </p:ext>
+    </p:extLst>
+  </p:cSld>
+  <p:clrMapOvr>
+    <a:masterClrMapping/>
+  </p:clrMapOvr>
+</p:notes>
+</file>
+
 <file path=ppt/slideLayouts/slideLayout1.xml><?xml version="1.0" encoding="utf-8"?>
 <p:sldLayout xmlns:a="http://schemas.openxmlformats.org/drawingml/2006/main" xmlns:r="http://schemas.openxmlformats.org/officeDocument/2006/relationships" xmlns:p="http://schemas.openxmlformats.org/presentationml/2006/main" type="title" preserve="1">
   <p:cSld name="제목 슬라이드">
@@ -728,7 +817,7 @@
           <a:p>
             <a:fld id="{6C230EC4-A28F-0447-BB12-263E0B8A718F}" type="datetimeFigureOut">
               <a:rPr kumimoji="1" lang="ko-KR" altLang="en-US" smtClean="0"/>
-              <a:t>2021. 3. 20.</a:t>
+              <a:t>2021. 3. 26.</a:t>
             </a:fld>
             <a:endParaRPr kumimoji="1" lang="ko-KR" altLang="en-US"/>
           </a:p>
@@ -926,7 +1015,7 @@
           <a:p>
             <a:fld id="{6C230EC4-A28F-0447-BB12-263E0B8A718F}" type="datetimeFigureOut">
               <a:rPr kumimoji="1" lang="ko-KR" altLang="en-US" smtClean="0"/>
-              <a:t>2021. 3. 20.</a:t>
+              <a:t>2021. 3. 26.</a:t>
             </a:fld>
             <a:endParaRPr kumimoji="1" lang="ko-KR" altLang="en-US"/>
           </a:p>
@@ -1134,7 +1223,7 @@
           <a:p>
             <a:fld id="{6C230EC4-A28F-0447-BB12-263E0B8A718F}" type="datetimeFigureOut">
               <a:rPr kumimoji="1" lang="ko-KR" altLang="en-US" smtClean="0"/>
-              <a:t>2021. 3. 20.</a:t>
+              <a:t>2021. 3. 26.</a:t>
             </a:fld>
             <a:endParaRPr kumimoji="1" lang="ko-KR" altLang="en-US"/>
           </a:p>
@@ -1332,7 +1421,7 @@
           <a:p>
             <a:fld id="{6C230EC4-A28F-0447-BB12-263E0B8A718F}" type="datetimeFigureOut">
               <a:rPr kumimoji="1" lang="ko-KR" altLang="en-US" smtClean="0"/>
-              <a:t>2021. 3. 20.</a:t>
+              <a:t>2021. 3. 26.</a:t>
             </a:fld>
             <a:endParaRPr kumimoji="1" lang="ko-KR" altLang="en-US"/>
           </a:p>
@@ -1607,7 +1696,7 @@
           <a:p>
             <a:fld id="{6C230EC4-A28F-0447-BB12-263E0B8A718F}" type="datetimeFigureOut">
               <a:rPr kumimoji="1" lang="ko-KR" altLang="en-US" smtClean="0"/>
-              <a:t>2021. 3. 20.</a:t>
+              <a:t>2021. 3. 26.</a:t>
             </a:fld>
             <a:endParaRPr kumimoji="1" lang="ko-KR" altLang="en-US"/>
           </a:p>
@@ -1872,7 +1961,7 @@
           <a:p>
             <a:fld id="{6C230EC4-A28F-0447-BB12-263E0B8A718F}" type="datetimeFigureOut">
               <a:rPr kumimoji="1" lang="ko-KR" altLang="en-US" smtClean="0"/>
-              <a:t>2021. 3. 20.</a:t>
+              <a:t>2021. 3. 26.</a:t>
             </a:fld>
             <a:endParaRPr kumimoji="1" lang="ko-KR" altLang="en-US"/>
           </a:p>
@@ -2284,7 +2373,7 @@
           <a:p>
             <a:fld id="{6C230EC4-A28F-0447-BB12-263E0B8A718F}" type="datetimeFigureOut">
               <a:rPr kumimoji="1" lang="ko-KR" altLang="en-US" smtClean="0"/>
-              <a:t>2021. 3. 20.</a:t>
+              <a:t>2021. 3. 26.</a:t>
             </a:fld>
             <a:endParaRPr kumimoji="1" lang="ko-KR" altLang="en-US"/>
           </a:p>
@@ -2425,7 +2514,7 @@
           <a:p>
             <a:fld id="{6C230EC4-A28F-0447-BB12-263E0B8A718F}" type="datetimeFigureOut">
               <a:rPr kumimoji="1" lang="ko-KR" altLang="en-US" smtClean="0"/>
-              <a:t>2021. 3. 20.</a:t>
+              <a:t>2021. 3. 26.</a:t>
             </a:fld>
             <a:endParaRPr kumimoji="1" lang="ko-KR" altLang="en-US"/>
           </a:p>
@@ -2538,7 +2627,7 @@
           <a:p>
             <a:fld id="{6C230EC4-A28F-0447-BB12-263E0B8A718F}" type="datetimeFigureOut">
               <a:rPr kumimoji="1" lang="ko-KR" altLang="en-US" smtClean="0"/>
-              <a:t>2021. 3. 20.</a:t>
+              <a:t>2021. 3. 26.</a:t>
             </a:fld>
             <a:endParaRPr kumimoji="1" lang="ko-KR" altLang="en-US"/>
           </a:p>
@@ -2849,7 +2938,7 @@
           <a:p>
             <a:fld id="{6C230EC4-A28F-0447-BB12-263E0B8A718F}" type="datetimeFigureOut">
               <a:rPr kumimoji="1" lang="ko-KR" altLang="en-US" smtClean="0"/>
-              <a:t>2021. 3. 20.</a:t>
+              <a:t>2021. 3. 26.</a:t>
             </a:fld>
             <a:endParaRPr kumimoji="1" lang="ko-KR" altLang="en-US"/>
           </a:p>
@@ -3137,7 +3226,7 @@
           <a:p>
             <a:fld id="{6C230EC4-A28F-0447-BB12-263E0B8A718F}" type="datetimeFigureOut">
               <a:rPr kumimoji="1" lang="ko-KR" altLang="en-US" smtClean="0"/>
-              <a:t>2021. 3. 20.</a:t>
+              <a:t>2021. 3. 26.</a:t>
             </a:fld>
             <a:endParaRPr kumimoji="1" lang="ko-KR" altLang="en-US"/>
           </a:p>
@@ -3378,7 +3467,7 @@
           <a:p>
             <a:fld id="{6C230EC4-A28F-0447-BB12-263E0B8A718F}" type="datetimeFigureOut">
               <a:rPr kumimoji="1" lang="ko-KR" altLang="en-US" smtClean="0"/>
-              <a:t>2021. 3. 20.</a:t>
+              <a:t>2021. 3. 26.</a:t>
             </a:fld>
             <a:endParaRPr kumimoji="1" lang="ko-KR" altLang="en-US"/>
           </a:p>
@@ -4010,6 +4099,66 @@
     <p:extLst>
       <p:ext uri="{BB962C8B-B14F-4D97-AF65-F5344CB8AC3E}">
         <p14:creationId xmlns:p14="http://schemas.microsoft.com/office/powerpoint/2010/main" val="641385631"/>
+      </p:ext>
+    </p:extLst>
+  </p:cSld>
+  <p:clrMapOvr>
+    <a:masterClrMapping/>
+  </p:clrMapOvr>
+</p:sld>
+</file>
+
+<file path=ppt/slides/slide4.xml><?xml version="1.0" encoding="utf-8"?>
+<p:sld xmlns:a="http://schemas.openxmlformats.org/drawingml/2006/main" xmlns:r="http://schemas.openxmlformats.org/officeDocument/2006/relationships" xmlns:p="http://schemas.openxmlformats.org/presentationml/2006/main">
+  <p:cSld>
+    <p:spTree>
+      <p:nvGrpSpPr>
+        <p:cNvPr id="1" name=""/>
+        <p:cNvGrpSpPr/>
+        <p:nvPr/>
+      </p:nvGrpSpPr>
+      <p:grpSpPr>
+        <a:xfrm>
+          <a:off x="0" y="0"/>
+          <a:ext cx="0" cy="0"/>
+          <a:chOff x="0" y="0"/>
+          <a:chExt cx="0" cy="0"/>
+        </a:xfrm>
+      </p:grpSpPr>
+      <p:pic>
+        <p:nvPicPr>
+          <p:cNvPr id="8" name="그림 7">
+            <a:extLst>
+              <a:ext uri="{FF2B5EF4-FFF2-40B4-BE49-F238E27FC236}">
+                <a16:creationId xmlns:a16="http://schemas.microsoft.com/office/drawing/2014/main" id="{37DF79DA-530C-0A43-A07F-077372BB961D}"/>
+              </a:ext>
+            </a:extLst>
+          </p:cNvPr>
+          <p:cNvPicPr>
+            <a:picLocks noChangeAspect="1"/>
+          </p:cNvPicPr>
+          <p:nvPr/>
+        </p:nvPicPr>
+        <p:blipFill>
+          <a:blip r:embed="rId3"/>
+          <a:stretch>
+            <a:fillRect/>
+          </a:stretch>
+        </p:blipFill>
+        <p:spPr>
+          <a:xfrm>
+            <a:off x="2536207" y="1695450"/>
+            <a:ext cx="7594600" cy="3467100"/>
+          </a:xfrm>
+          <a:prstGeom prst="rect">
+            <a:avLst/>
+          </a:prstGeom>
+        </p:spPr>
+      </p:pic>
+    </p:spTree>
+    <p:extLst>
+      <p:ext uri="{BB962C8B-B14F-4D97-AF65-F5344CB8AC3E}">
+        <p14:creationId xmlns:p14="http://schemas.microsoft.com/office/powerpoint/2010/main" val="3349622157"/>
       </p:ext>
     </p:extLst>
   </p:cSld>

--- a/_raw/img.pptx
+++ b/_raw/img.pptx
@@ -5,13 +5,17 @@
     <p:sldMasterId id="2147483648" r:id="rId1"/>
   </p:sldMasterIdLst>
   <p:notesMasterIdLst>
-    <p:notesMasterId r:id="rId6"/>
+    <p:notesMasterId r:id="rId10"/>
   </p:notesMasterIdLst>
   <p:sldIdLst>
     <p:sldId id="256" r:id="rId2"/>
     <p:sldId id="257" r:id="rId3"/>
     <p:sldId id="258" r:id="rId4"/>
     <p:sldId id="259" r:id="rId5"/>
+    <p:sldId id="260" r:id="rId6"/>
+    <p:sldId id="261" r:id="rId7"/>
+    <p:sldId id="262" r:id="rId8"/>
+    <p:sldId id="263" r:id="rId9"/>
   </p:sldIdLst>
   <p:sldSz cx="12192000" cy="6858000"/>
   <p:notesSz cx="6858000" cy="9144000"/>
@@ -211,7 +215,7 @@
           <a:p>
             <a:fld id="{A0F2C3BC-807B-0F44-8628-007C53BB3AB0}" type="datetimeFigureOut">
               <a:rPr kumimoji="1" lang="ko-KR" altLang="en-US" smtClean="0"/>
-              <a:t>2021. 3. 26.</a:t>
+              <a:t>2021. 4. 17.</a:t>
             </a:fld>
             <a:endParaRPr kumimoji="1" lang="ko-KR" altLang="en-US"/>
           </a:p>
@@ -817,7 +821,7 @@
           <a:p>
             <a:fld id="{6C230EC4-A28F-0447-BB12-263E0B8A718F}" type="datetimeFigureOut">
               <a:rPr kumimoji="1" lang="ko-KR" altLang="en-US" smtClean="0"/>
-              <a:t>2021. 3. 26.</a:t>
+              <a:t>2021. 4. 17.</a:t>
             </a:fld>
             <a:endParaRPr kumimoji="1" lang="ko-KR" altLang="en-US"/>
           </a:p>
@@ -1015,7 +1019,7 @@
           <a:p>
             <a:fld id="{6C230EC4-A28F-0447-BB12-263E0B8A718F}" type="datetimeFigureOut">
               <a:rPr kumimoji="1" lang="ko-KR" altLang="en-US" smtClean="0"/>
-              <a:t>2021. 3. 26.</a:t>
+              <a:t>2021. 4. 17.</a:t>
             </a:fld>
             <a:endParaRPr kumimoji="1" lang="ko-KR" altLang="en-US"/>
           </a:p>
@@ -1223,7 +1227,7 @@
           <a:p>
             <a:fld id="{6C230EC4-A28F-0447-BB12-263E0B8A718F}" type="datetimeFigureOut">
               <a:rPr kumimoji="1" lang="ko-KR" altLang="en-US" smtClean="0"/>
-              <a:t>2021. 3. 26.</a:t>
+              <a:t>2021. 4. 17.</a:t>
             </a:fld>
             <a:endParaRPr kumimoji="1" lang="ko-KR" altLang="en-US"/>
           </a:p>
@@ -1421,7 +1425,7 @@
           <a:p>
             <a:fld id="{6C230EC4-A28F-0447-BB12-263E0B8A718F}" type="datetimeFigureOut">
               <a:rPr kumimoji="1" lang="ko-KR" altLang="en-US" smtClean="0"/>
-              <a:t>2021. 3. 26.</a:t>
+              <a:t>2021. 4. 17.</a:t>
             </a:fld>
             <a:endParaRPr kumimoji="1" lang="ko-KR" altLang="en-US"/>
           </a:p>
@@ -1696,7 +1700,7 @@
           <a:p>
             <a:fld id="{6C230EC4-A28F-0447-BB12-263E0B8A718F}" type="datetimeFigureOut">
               <a:rPr kumimoji="1" lang="ko-KR" altLang="en-US" smtClean="0"/>
-              <a:t>2021. 3. 26.</a:t>
+              <a:t>2021. 4. 17.</a:t>
             </a:fld>
             <a:endParaRPr kumimoji="1" lang="ko-KR" altLang="en-US"/>
           </a:p>
@@ -1961,7 +1965,7 @@
           <a:p>
             <a:fld id="{6C230EC4-A28F-0447-BB12-263E0B8A718F}" type="datetimeFigureOut">
               <a:rPr kumimoji="1" lang="ko-KR" altLang="en-US" smtClean="0"/>
-              <a:t>2021. 3. 26.</a:t>
+              <a:t>2021. 4. 17.</a:t>
             </a:fld>
             <a:endParaRPr kumimoji="1" lang="ko-KR" altLang="en-US"/>
           </a:p>
@@ -2373,7 +2377,7 @@
           <a:p>
             <a:fld id="{6C230EC4-A28F-0447-BB12-263E0B8A718F}" type="datetimeFigureOut">
               <a:rPr kumimoji="1" lang="ko-KR" altLang="en-US" smtClean="0"/>
-              <a:t>2021. 3. 26.</a:t>
+              <a:t>2021. 4. 17.</a:t>
             </a:fld>
             <a:endParaRPr kumimoji="1" lang="ko-KR" altLang="en-US"/>
           </a:p>
@@ -2514,7 +2518,7 @@
           <a:p>
             <a:fld id="{6C230EC4-A28F-0447-BB12-263E0B8A718F}" type="datetimeFigureOut">
               <a:rPr kumimoji="1" lang="ko-KR" altLang="en-US" smtClean="0"/>
-              <a:t>2021. 3. 26.</a:t>
+              <a:t>2021. 4. 17.</a:t>
             </a:fld>
             <a:endParaRPr kumimoji="1" lang="ko-KR" altLang="en-US"/>
           </a:p>
@@ -2627,7 +2631,7 @@
           <a:p>
             <a:fld id="{6C230EC4-A28F-0447-BB12-263E0B8A718F}" type="datetimeFigureOut">
               <a:rPr kumimoji="1" lang="ko-KR" altLang="en-US" smtClean="0"/>
-              <a:t>2021. 3. 26.</a:t>
+              <a:t>2021. 4. 17.</a:t>
             </a:fld>
             <a:endParaRPr kumimoji="1" lang="ko-KR" altLang="en-US"/>
           </a:p>
@@ -2938,7 +2942,7 @@
           <a:p>
             <a:fld id="{6C230EC4-A28F-0447-BB12-263E0B8A718F}" type="datetimeFigureOut">
               <a:rPr kumimoji="1" lang="ko-KR" altLang="en-US" smtClean="0"/>
-              <a:t>2021. 3. 26.</a:t>
+              <a:t>2021. 4. 17.</a:t>
             </a:fld>
             <a:endParaRPr kumimoji="1" lang="ko-KR" altLang="en-US"/>
           </a:p>
@@ -3226,7 +3230,7 @@
           <a:p>
             <a:fld id="{6C230EC4-A28F-0447-BB12-263E0B8A718F}" type="datetimeFigureOut">
               <a:rPr kumimoji="1" lang="ko-KR" altLang="en-US" smtClean="0"/>
-              <a:t>2021. 3. 26.</a:t>
+              <a:t>2021. 4. 17.</a:t>
             </a:fld>
             <a:endParaRPr kumimoji="1" lang="ko-KR" altLang="en-US"/>
           </a:p>
@@ -3467,7 +3471,7 @@
           <a:p>
             <a:fld id="{6C230EC4-A28F-0447-BB12-263E0B8A718F}" type="datetimeFigureOut">
               <a:rPr kumimoji="1" lang="ko-KR" altLang="en-US" smtClean="0"/>
-              <a:t>2021. 3. 26.</a:t>
+              <a:t>2021. 4. 17.</a:t>
             </a:fld>
             <a:endParaRPr kumimoji="1" lang="ko-KR" altLang="en-US"/>
           </a:p>
@@ -4159,6 +4163,979 @@
     <p:extLst>
       <p:ext uri="{BB962C8B-B14F-4D97-AF65-F5344CB8AC3E}">
         <p14:creationId xmlns:p14="http://schemas.microsoft.com/office/powerpoint/2010/main" val="3349622157"/>
+      </p:ext>
+    </p:extLst>
+  </p:cSld>
+  <p:clrMapOvr>
+    <a:masterClrMapping/>
+  </p:clrMapOvr>
+</p:sld>
+</file>
+
+<file path=ppt/slides/slide5.xml><?xml version="1.0" encoding="utf-8"?>
+<p:sld xmlns:a="http://schemas.openxmlformats.org/drawingml/2006/main" xmlns:r="http://schemas.openxmlformats.org/officeDocument/2006/relationships" xmlns:p="http://schemas.openxmlformats.org/presentationml/2006/main">
+  <p:cSld>
+    <p:spTree>
+      <p:nvGrpSpPr>
+        <p:cNvPr id="1" name=""/>
+        <p:cNvGrpSpPr/>
+        <p:nvPr/>
+      </p:nvGrpSpPr>
+      <p:grpSpPr>
+        <a:xfrm>
+          <a:off x="0" y="0"/>
+          <a:ext cx="0" cy="0"/>
+          <a:chOff x="0" y="0"/>
+          <a:chExt cx="0" cy="0"/>
+        </a:xfrm>
+      </p:grpSpPr>
+      <p:pic>
+        <p:nvPicPr>
+          <p:cNvPr id="5" name="그림 4">
+            <a:extLst>
+              <a:ext uri="{FF2B5EF4-FFF2-40B4-BE49-F238E27FC236}">
+                <a16:creationId xmlns:a16="http://schemas.microsoft.com/office/drawing/2014/main" id="{7A8482EE-F428-F74F-9281-D2C43E992115}"/>
+              </a:ext>
+            </a:extLst>
+          </p:cNvPr>
+          <p:cNvPicPr>
+            <a:picLocks noChangeAspect="1"/>
+          </p:cNvPicPr>
+          <p:nvPr/>
+        </p:nvPicPr>
+        <p:blipFill>
+          <a:blip r:embed="rId2"/>
+          <a:stretch>
+            <a:fillRect/>
+          </a:stretch>
+        </p:blipFill>
+        <p:spPr>
+          <a:xfrm>
+            <a:off x="-449036" y="145977"/>
+            <a:ext cx="2095500" cy="1714500"/>
+          </a:xfrm>
+          <a:prstGeom prst="rect">
+            <a:avLst/>
+          </a:prstGeom>
+        </p:spPr>
+      </p:pic>
+      <p:sp>
+        <p:nvSpPr>
+          <p:cNvPr id="6" name="직사각형 5">
+            <a:extLst>
+              <a:ext uri="{FF2B5EF4-FFF2-40B4-BE49-F238E27FC236}">
+                <a16:creationId xmlns:a16="http://schemas.microsoft.com/office/drawing/2014/main" id="{B0D5DAF8-8324-D946-8B0A-D146CAC1602F}"/>
+              </a:ext>
+            </a:extLst>
+          </p:cNvPr>
+          <p:cNvSpPr/>
+          <p:nvPr/>
+        </p:nvSpPr>
+        <p:spPr>
+          <a:xfrm>
+            <a:off x="886523" y="145977"/>
+            <a:ext cx="2891481" cy="1050325"/>
+          </a:xfrm>
+          <a:prstGeom prst="rect">
+            <a:avLst/>
+          </a:prstGeom>
+        </p:spPr>
+        <p:style>
+          <a:lnRef idx="2">
+            <a:schemeClr val="accent1">
+              <a:shade val="50000"/>
+            </a:schemeClr>
+          </a:lnRef>
+          <a:fillRef idx="1">
+            <a:schemeClr val="accent1"/>
+          </a:fillRef>
+          <a:effectRef idx="0">
+            <a:schemeClr val="accent1"/>
+          </a:effectRef>
+          <a:fontRef idx="minor">
+            <a:schemeClr val="lt1"/>
+          </a:fontRef>
+        </p:style>
+        <p:txBody>
+          <a:bodyPr rtlCol="0" anchor="ctr"/>
+          <a:lstStyle/>
+          <a:p>
+            <a:pPr algn="ctr"/>
+            <a:endParaRPr kumimoji="1" lang="ko-KR" altLang="en-US"/>
+          </a:p>
+        </p:txBody>
+      </p:sp>
+      <p:grpSp>
+        <p:nvGrpSpPr>
+          <p:cNvPr id="29" name="그룹 28">
+            <a:extLst>
+              <a:ext uri="{FF2B5EF4-FFF2-40B4-BE49-F238E27FC236}">
+                <a16:creationId xmlns:a16="http://schemas.microsoft.com/office/drawing/2014/main" id="{552B3571-9D78-7849-9388-B1FF5324A185}"/>
+              </a:ext>
+            </a:extLst>
+          </p:cNvPr>
+          <p:cNvGrpSpPr/>
+          <p:nvPr/>
+        </p:nvGrpSpPr>
+        <p:grpSpPr>
+          <a:xfrm>
+            <a:off x="1289482" y="2918903"/>
+            <a:ext cx="8932203" cy="1533353"/>
+            <a:chOff x="1289482" y="2918903"/>
+            <a:chExt cx="8932203" cy="1533353"/>
+          </a:xfrm>
+        </p:grpSpPr>
+        <p:sp>
+          <p:nvSpPr>
+            <p:cNvPr id="7" name="모서리가 둥근 직사각형 6">
+              <a:extLst>
+                <a:ext uri="{FF2B5EF4-FFF2-40B4-BE49-F238E27FC236}">
+                  <a16:creationId xmlns:a16="http://schemas.microsoft.com/office/drawing/2014/main" id="{18AB98D5-D7EC-5746-9848-0465B0F32761}"/>
+                </a:ext>
+              </a:extLst>
+            </p:cNvPr>
+            <p:cNvSpPr/>
+            <p:nvPr/>
+          </p:nvSpPr>
+          <p:spPr>
+            <a:xfrm>
+              <a:off x="1289482" y="2918903"/>
+              <a:ext cx="8932203" cy="1533353"/>
+            </a:xfrm>
+            <a:prstGeom prst="roundRect">
+              <a:avLst>
+                <a:gd name="adj" fmla="val 21178"/>
+              </a:avLst>
+            </a:prstGeom>
+            <a:solidFill>
+              <a:srgbClr val="F2F2F2"/>
+            </a:solidFill>
+            <a:ln>
+              <a:noFill/>
+            </a:ln>
+          </p:spPr>
+          <p:style>
+            <a:lnRef idx="2">
+              <a:schemeClr val="accent1">
+                <a:shade val="50000"/>
+              </a:schemeClr>
+            </a:lnRef>
+            <a:fillRef idx="1">
+              <a:schemeClr val="accent1"/>
+            </a:fillRef>
+            <a:effectRef idx="0">
+              <a:schemeClr val="accent1"/>
+            </a:effectRef>
+            <a:fontRef idx="minor">
+              <a:schemeClr val="lt1"/>
+            </a:fontRef>
+          </p:style>
+          <p:txBody>
+            <a:bodyPr rtlCol="0" anchor="ctr"/>
+            <a:lstStyle/>
+            <a:p>
+              <a:pPr algn="ctr"/>
+              <a:endParaRPr kumimoji="1" lang="ko-KR" altLang="en-US"/>
+            </a:p>
+          </p:txBody>
+        </p:sp>
+        <p:sp>
+          <p:nvSpPr>
+            <p:cNvPr id="2" name="TextBox 1">
+              <a:extLst>
+                <a:ext uri="{FF2B5EF4-FFF2-40B4-BE49-F238E27FC236}">
+                  <a16:creationId xmlns:a16="http://schemas.microsoft.com/office/drawing/2014/main" id="{27C78713-848E-2648-9C6C-265CC442FF87}"/>
+                </a:ext>
+              </a:extLst>
+            </p:cNvPr>
+            <p:cNvSpPr txBox="1"/>
+            <p:nvPr/>
+          </p:nvSpPr>
+          <p:spPr>
+            <a:xfrm>
+              <a:off x="1556657" y="3156699"/>
+              <a:ext cx="3820886" cy="523220"/>
+            </a:xfrm>
+            <a:prstGeom prst="rect">
+              <a:avLst/>
+            </a:prstGeom>
+            <a:noFill/>
+          </p:spPr>
+          <p:txBody>
+            <a:bodyPr wrap="square" rtlCol="0">
+              <a:spAutoFit/>
+            </a:bodyPr>
+            <a:lstStyle/>
+            <a:p>
+              <a:r>
+                <a:rPr kumimoji="1" lang="en-US" altLang="ko-KR" sz="2800" dirty="0">
+                  <a:latin typeface="Noto Sans KR Medium" panose="020B0500000000000000" pitchFamily="34" charset="-128"/>
+                  <a:ea typeface="Noto Sans KR Medium" panose="020B0500000000000000" pitchFamily="34" charset="-128"/>
+                </a:rPr>
+                <a:t>21</a:t>
+              </a:r>
+              <a:r>
+                <a:rPr kumimoji="1" lang="ko-KR" altLang="en-US" sz="2800" dirty="0">
+                  <a:latin typeface="Noto Sans KR Medium" panose="020B0500000000000000" pitchFamily="34" charset="-128"/>
+                  <a:ea typeface="Noto Sans KR Medium" panose="020B0500000000000000" pitchFamily="34" charset="-128"/>
+                </a:rPr>
+                <a:t>년 </a:t>
+              </a:r>
+              <a:r>
+                <a:rPr kumimoji="1" lang="en-US" altLang="ko-KR" sz="2800" dirty="0">
+                  <a:latin typeface="Noto Sans KR Medium" panose="020B0500000000000000" pitchFamily="34" charset="-128"/>
+                  <a:ea typeface="Noto Sans KR Medium" panose="020B0500000000000000" pitchFamily="34" charset="-128"/>
+                </a:rPr>
+                <a:t>3</a:t>
+              </a:r>
+              <a:r>
+                <a:rPr kumimoji="1" lang="ko-KR" altLang="en-US" sz="2800" dirty="0">
+                  <a:latin typeface="Noto Sans KR Medium" panose="020B0500000000000000" pitchFamily="34" charset="-128"/>
+                  <a:ea typeface="Noto Sans KR Medium" panose="020B0500000000000000" pitchFamily="34" charset="-128"/>
+                </a:rPr>
+                <a:t>월</a:t>
+              </a:r>
+            </a:p>
+          </p:txBody>
+        </p:sp>
+        <p:sp>
+          <p:nvSpPr>
+            <p:cNvPr id="8" name="TextBox 7">
+              <a:extLst>
+                <a:ext uri="{FF2B5EF4-FFF2-40B4-BE49-F238E27FC236}">
+                  <a16:creationId xmlns:a16="http://schemas.microsoft.com/office/drawing/2014/main" id="{06B98372-F70C-FD4F-9587-EB2BEA1865B7}"/>
+                </a:ext>
+              </a:extLst>
+            </p:cNvPr>
+            <p:cNvSpPr txBox="1"/>
+            <p:nvPr/>
+          </p:nvSpPr>
+          <p:spPr>
+            <a:xfrm>
+              <a:off x="1545771" y="3674693"/>
+              <a:ext cx="5852575" cy="523220"/>
+            </a:xfrm>
+            <a:prstGeom prst="rect">
+              <a:avLst/>
+            </a:prstGeom>
+            <a:noFill/>
+          </p:spPr>
+          <p:txBody>
+            <a:bodyPr wrap="square" rtlCol="0">
+              <a:spAutoFit/>
+            </a:bodyPr>
+            <a:lstStyle/>
+            <a:p>
+              <a:r>
+                <a:rPr kumimoji="1" lang="ko-KR" altLang="en-US" sz="2800" dirty="0">
+                  <a:latin typeface="Noto Sans KR Medium" panose="020B0500000000000000" pitchFamily="34" charset="-128"/>
+                  <a:ea typeface="Noto Sans KR Medium" panose="020B0500000000000000" pitchFamily="34" charset="-128"/>
+                </a:rPr>
+                <a:t>프론트</a:t>
+              </a:r>
+              <a:r>
+                <a:rPr kumimoji="1" lang="en-US" altLang="ko-KR" sz="2800" dirty="0">
+                  <a:latin typeface="Noto Sans KR Medium" panose="020B0500000000000000" pitchFamily="34" charset="-128"/>
+                  <a:ea typeface="Noto Sans KR Medium" panose="020B0500000000000000" pitchFamily="34" charset="-128"/>
+                </a:rPr>
+                <a:t> </a:t>
+              </a:r>
+              <a:r>
+                <a:rPr kumimoji="1" lang="ko-KR" altLang="en-US" sz="2800" dirty="0">
+                  <a:latin typeface="Noto Sans KR Medium" panose="020B0500000000000000" pitchFamily="34" charset="-128"/>
+                  <a:ea typeface="Noto Sans KR Medium" panose="020B0500000000000000" pitchFamily="34" charset="-128"/>
+                </a:rPr>
+                <a:t>경력 개발자 면접 </a:t>
+              </a:r>
+              <a:r>
+                <a:rPr kumimoji="1" lang="en-US" altLang="ko-KR" sz="2800" dirty="0">
+                  <a:latin typeface="Noto Sans KR Medium" panose="020B0500000000000000" pitchFamily="34" charset="-128"/>
+                  <a:ea typeface="Noto Sans KR Medium" panose="020B0500000000000000" pitchFamily="34" charset="-128"/>
+                </a:rPr>
+                <a:t>&amp;</a:t>
+              </a:r>
+              <a:r>
+                <a:rPr kumimoji="1" lang="ko-KR" altLang="en-US" sz="2800" dirty="0">
+                  <a:latin typeface="Noto Sans KR Medium" panose="020B0500000000000000" pitchFamily="34" charset="-128"/>
+                  <a:ea typeface="Noto Sans KR Medium" panose="020B0500000000000000" pitchFamily="34" charset="-128"/>
+                </a:rPr>
+                <a:t> </a:t>
+              </a:r>
+              <a:r>
+                <a:rPr kumimoji="1" lang="ko-KR" altLang="en-US" sz="2800" dirty="0" err="1">
+                  <a:latin typeface="Noto Sans KR Medium" panose="020B0500000000000000" pitchFamily="34" charset="-128"/>
+                  <a:ea typeface="Noto Sans KR Medium" panose="020B0500000000000000" pitchFamily="34" charset="-128"/>
+                </a:rPr>
+                <a:t>코테</a:t>
+              </a:r>
+              <a:r>
+                <a:rPr kumimoji="1" lang="ko-KR" altLang="en-US" sz="2800" dirty="0">
+                  <a:latin typeface="Noto Sans KR Medium" panose="020B0500000000000000" pitchFamily="34" charset="-128"/>
+                  <a:ea typeface="Noto Sans KR Medium" panose="020B0500000000000000" pitchFamily="34" charset="-128"/>
+                </a:rPr>
+                <a:t> 후기 </a:t>
+              </a:r>
+            </a:p>
+          </p:txBody>
+        </p:sp>
+        <p:pic>
+          <p:nvPicPr>
+            <p:cNvPr id="1028" name="Picture 4" descr="우아한형제들 로고">
+              <a:extLst>
+                <a:ext uri="{FF2B5EF4-FFF2-40B4-BE49-F238E27FC236}">
+                  <a16:creationId xmlns:a16="http://schemas.microsoft.com/office/drawing/2014/main" id="{4FB41C7C-D48A-D04A-9417-798DED3BF839}"/>
+                </a:ext>
+              </a:extLst>
+            </p:cNvPr>
+            <p:cNvPicPr>
+              <a:picLocks noChangeAspect="1" noChangeArrowheads="1"/>
+            </p:cNvPicPr>
+            <p:nvPr/>
+          </p:nvPicPr>
+          <p:blipFill>
+            <a:blip r:embed="rId3">
+              <a:extLst>
+                <a:ext uri="{28A0092B-C50C-407E-A947-70E740481C1C}">
+                  <a14:useLocalDpi xmlns:a14="http://schemas.microsoft.com/office/drawing/2010/main" val="0"/>
+                </a:ext>
+              </a:extLst>
+            </a:blip>
+            <a:srcRect/>
+            <a:stretch>
+              <a:fillRect/>
+            </a:stretch>
+          </p:blipFill>
+          <p:spPr bwMode="auto">
+            <a:xfrm>
+              <a:off x="7788958" y="3162359"/>
+              <a:ext cx="531188" cy="523220"/>
+            </a:xfrm>
+            <a:prstGeom prst="rect">
+              <a:avLst/>
+            </a:prstGeom>
+            <a:noFill/>
+            <a:extLst>
+              <a:ext uri="{909E8E84-426E-40DD-AFC4-6F175D3DCCD1}">
+                <a14:hiddenFill xmlns:a14="http://schemas.microsoft.com/office/drawing/2010/main">
+                  <a:solidFill>
+                    <a:srgbClr val="FFFFFF"/>
+                  </a:solidFill>
+                </a14:hiddenFill>
+              </a:ext>
+            </a:extLst>
+          </p:spPr>
+        </p:pic>
+        <p:pic>
+          <p:nvPicPr>
+            <p:cNvPr id="1030" name="Picture 6" descr="기업분석] 이베이 코리아(eBay korea Co. Ltd)">
+              <a:extLst>
+                <a:ext uri="{FF2B5EF4-FFF2-40B4-BE49-F238E27FC236}">
+                  <a16:creationId xmlns:a16="http://schemas.microsoft.com/office/drawing/2014/main" id="{A25D558B-728A-0B47-ACEF-0AB4EE1F0C28}"/>
+                </a:ext>
+              </a:extLst>
+            </p:cNvPr>
+            <p:cNvPicPr>
+              <a:picLocks noChangeAspect="1" noChangeArrowheads="1"/>
+            </p:cNvPicPr>
+            <p:nvPr/>
+          </p:nvPicPr>
+          <p:blipFill>
+            <a:blip r:embed="rId4">
+              <a:extLst>
+                <a:ext uri="{28A0092B-C50C-407E-A947-70E740481C1C}">
+                  <a14:useLocalDpi xmlns:a14="http://schemas.microsoft.com/office/drawing/2010/main" val="0"/>
+                </a:ext>
+              </a:extLst>
+            </a:blip>
+            <a:srcRect/>
+            <a:stretch>
+              <a:fillRect/>
+            </a:stretch>
+          </p:blipFill>
+          <p:spPr bwMode="auto">
+            <a:xfrm>
+              <a:off x="8676799" y="3578129"/>
+              <a:ext cx="1451429" cy="619125"/>
+            </a:xfrm>
+            <a:prstGeom prst="rect">
+              <a:avLst/>
+            </a:prstGeom>
+            <a:noFill/>
+            <a:extLst>
+              <a:ext uri="{909E8E84-426E-40DD-AFC4-6F175D3DCCD1}">
+                <a14:hiddenFill xmlns:a14="http://schemas.microsoft.com/office/drawing/2010/main">
+                  <a:solidFill>
+                    <a:srgbClr val="FFFFFF"/>
+                  </a:solidFill>
+                </a14:hiddenFill>
+              </a:ext>
+            </a:extLst>
+          </p:spPr>
+        </p:pic>
+        <p:pic>
+          <p:nvPicPr>
+            <p:cNvPr id="1032" name="Picture 8" descr="자주 묻는 질문">
+              <a:extLst>
+                <a:ext uri="{FF2B5EF4-FFF2-40B4-BE49-F238E27FC236}">
+                  <a16:creationId xmlns:a16="http://schemas.microsoft.com/office/drawing/2014/main" id="{CD73CAED-BBD3-1841-84CE-1321B3ED0FCA}"/>
+                </a:ext>
+              </a:extLst>
+            </p:cNvPr>
+            <p:cNvPicPr>
+              <a:picLocks noChangeAspect="1" noChangeArrowheads="1"/>
+            </p:cNvPicPr>
+            <p:nvPr/>
+          </p:nvPicPr>
+          <p:blipFill>
+            <a:blip r:embed="rId5">
+              <a:extLst>
+                <a:ext uri="{28A0092B-C50C-407E-A947-70E740481C1C}">
+                  <a14:useLocalDpi xmlns:a14="http://schemas.microsoft.com/office/drawing/2010/main" val="0"/>
+                </a:ext>
+              </a:extLst>
+            </a:blip>
+            <a:srcRect/>
+            <a:stretch>
+              <a:fillRect/>
+            </a:stretch>
+          </p:blipFill>
+          <p:spPr bwMode="auto">
+            <a:xfrm>
+              <a:off x="8568086" y="3252647"/>
+              <a:ext cx="1074775" cy="301301"/>
+            </a:xfrm>
+            <a:prstGeom prst="rect">
+              <a:avLst/>
+            </a:prstGeom>
+            <a:noFill/>
+            <a:extLst>
+              <a:ext uri="{909E8E84-426E-40DD-AFC4-6F175D3DCCD1}">
+                <a14:hiddenFill xmlns:a14="http://schemas.microsoft.com/office/drawing/2010/main">
+                  <a:solidFill>
+                    <a:srgbClr val="FFFFFF"/>
+                  </a:solidFill>
+                </a14:hiddenFill>
+              </a:ext>
+            </a:extLst>
+          </p:spPr>
+        </p:pic>
+        <p:pic>
+          <p:nvPicPr>
+            <p:cNvPr id="1036" name="Picture 12" descr="야놀자 회사 홈페이지 » 홍보 – 아이덴티티">
+              <a:extLst>
+                <a:ext uri="{FF2B5EF4-FFF2-40B4-BE49-F238E27FC236}">
+                  <a16:creationId xmlns:a16="http://schemas.microsoft.com/office/drawing/2014/main" id="{50C58119-AE62-FB40-8648-BED4AD96BE32}"/>
+                </a:ext>
+              </a:extLst>
+            </p:cNvPr>
+            <p:cNvPicPr>
+              <a:picLocks noChangeAspect="1" noChangeArrowheads="1"/>
+            </p:cNvPicPr>
+            <p:nvPr/>
+          </p:nvPicPr>
+          <p:blipFill>
+            <a:blip r:embed="rId6">
+              <a:extLst>
+                <a:ext uri="{28A0092B-C50C-407E-A947-70E740481C1C}">
+                  <a14:useLocalDpi xmlns:a14="http://schemas.microsoft.com/office/drawing/2010/main" val="0"/>
+                </a:ext>
+              </a:extLst>
+            </a:blip>
+            <a:srcRect/>
+            <a:stretch>
+              <a:fillRect/>
+            </a:stretch>
+          </p:blipFill>
+          <p:spPr bwMode="auto">
+            <a:xfrm>
+              <a:off x="7409232" y="3887692"/>
+              <a:ext cx="1158854" cy="330704"/>
+            </a:xfrm>
+            <a:prstGeom prst="rect">
+              <a:avLst/>
+            </a:prstGeom>
+            <a:noFill/>
+            <a:extLst>
+              <a:ext uri="{909E8E84-426E-40DD-AFC4-6F175D3DCCD1}">
+                <a14:hiddenFill xmlns:a14="http://schemas.microsoft.com/office/drawing/2010/main">
+                  <a:solidFill>
+                    <a:srgbClr val="FFFFFF"/>
+                  </a:solidFill>
+                </a14:hiddenFill>
+              </a:ext>
+            </a:extLst>
+          </p:spPr>
+        </p:pic>
+      </p:grpSp>
+      <p:sp>
+        <p:nvSpPr>
+          <p:cNvPr id="21" name="모서리가 둥근 직사각형 20">
+            <a:extLst>
+              <a:ext uri="{FF2B5EF4-FFF2-40B4-BE49-F238E27FC236}">
+                <a16:creationId xmlns:a16="http://schemas.microsoft.com/office/drawing/2014/main" id="{A388C094-160E-F24C-B32B-085449E5194E}"/>
+              </a:ext>
+            </a:extLst>
+          </p:cNvPr>
+          <p:cNvSpPr/>
+          <p:nvPr/>
+        </p:nvSpPr>
+        <p:spPr>
+          <a:xfrm>
+            <a:off x="1289482" y="4685046"/>
+            <a:ext cx="8932203" cy="1533353"/>
+          </a:xfrm>
+          <a:prstGeom prst="roundRect">
+            <a:avLst>
+              <a:gd name="adj" fmla="val 21178"/>
+            </a:avLst>
+          </a:prstGeom>
+          <a:solidFill>
+            <a:srgbClr val="030C36"/>
+          </a:solidFill>
+          <a:ln>
+            <a:noFill/>
+          </a:ln>
+        </p:spPr>
+        <p:style>
+          <a:lnRef idx="2">
+            <a:schemeClr val="accent1">
+              <a:shade val="50000"/>
+            </a:schemeClr>
+          </a:lnRef>
+          <a:fillRef idx="1">
+            <a:schemeClr val="accent1"/>
+          </a:fillRef>
+          <a:effectRef idx="0">
+            <a:schemeClr val="accent1"/>
+          </a:effectRef>
+          <a:fontRef idx="minor">
+            <a:schemeClr val="lt1"/>
+          </a:fontRef>
+        </p:style>
+        <p:txBody>
+          <a:bodyPr rtlCol="0" anchor="ctr"/>
+          <a:lstStyle/>
+          <a:p>
+            <a:pPr algn="ctr"/>
+            <a:endParaRPr kumimoji="1" lang="ko-KR" altLang="en-US">
+              <a:solidFill>
+                <a:schemeClr val="bg1"/>
+              </a:solidFill>
+            </a:endParaRPr>
+          </a:p>
+        </p:txBody>
+      </p:sp>
+      <p:sp>
+        <p:nvSpPr>
+          <p:cNvPr id="23" name="TextBox 22">
+            <a:extLst>
+              <a:ext uri="{FF2B5EF4-FFF2-40B4-BE49-F238E27FC236}">
+                <a16:creationId xmlns:a16="http://schemas.microsoft.com/office/drawing/2014/main" id="{3AE83717-CCDA-3948-B619-E2119ADBB1D0}"/>
+              </a:ext>
+            </a:extLst>
+          </p:cNvPr>
+          <p:cNvSpPr txBox="1"/>
+          <p:nvPr/>
+        </p:nvSpPr>
+        <p:spPr>
+          <a:xfrm>
+            <a:off x="1545771" y="5229746"/>
+            <a:ext cx="4550230" cy="523220"/>
+          </a:xfrm>
+          <a:prstGeom prst="rect">
+            <a:avLst/>
+          </a:prstGeom>
+          <a:noFill/>
+        </p:spPr>
+        <p:txBody>
+          <a:bodyPr wrap="square" rtlCol="0">
+            <a:spAutoFit/>
+          </a:bodyPr>
+          <a:lstStyle/>
+          <a:p>
+            <a:r>
+              <a:rPr kumimoji="1" lang="ko-KR" altLang="en-US" sz="2800" dirty="0" err="1">
+                <a:solidFill>
+                  <a:schemeClr val="bg1"/>
+                </a:solidFill>
+                <a:latin typeface="Noto Sans KR Medium" panose="020B0500000000000000" pitchFamily="34" charset="-128"/>
+                <a:ea typeface="Noto Sans KR Medium" panose="020B0500000000000000" pitchFamily="34" charset="-128"/>
+              </a:rPr>
+              <a:t>백엔드</a:t>
+            </a:r>
+            <a:r>
+              <a:rPr kumimoji="1" lang="ko-KR" altLang="en-US" sz="2800" dirty="0">
+                <a:solidFill>
+                  <a:schemeClr val="bg1"/>
+                </a:solidFill>
+                <a:latin typeface="Noto Sans KR Medium" panose="020B0500000000000000" pitchFamily="34" charset="-128"/>
+                <a:ea typeface="Noto Sans KR Medium" panose="020B0500000000000000" pitchFamily="34" charset="-128"/>
+              </a:rPr>
+              <a:t> 경력 개발자 </a:t>
+            </a:r>
+            <a:r>
+              <a:rPr kumimoji="1" lang="ko-KR" altLang="en-US" sz="2800" dirty="0" err="1">
+                <a:solidFill>
+                  <a:schemeClr val="bg1"/>
+                </a:solidFill>
+                <a:latin typeface="Noto Sans KR Medium" panose="020B0500000000000000" pitchFamily="34" charset="-128"/>
+                <a:ea typeface="Noto Sans KR Medium" panose="020B0500000000000000" pitchFamily="34" charset="-128"/>
+              </a:rPr>
+              <a:t>코테</a:t>
+            </a:r>
+            <a:r>
+              <a:rPr kumimoji="1" lang="ko-KR" altLang="en-US" sz="2800" dirty="0">
+                <a:solidFill>
+                  <a:schemeClr val="bg1"/>
+                </a:solidFill>
+                <a:latin typeface="Noto Sans KR Medium" panose="020B0500000000000000" pitchFamily="34" charset="-128"/>
+                <a:ea typeface="Noto Sans KR Medium" panose="020B0500000000000000" pitchFamily="34" charset="-128"/>
+              </a:rPr>
+              <a:t> 후기 </a:t>
+            </a:r>
+          </a:p>
+        </p:txBody>
+      </p:sp>
+      <p:pic>
+        <p:nvPicPr>
+          <p:cNvPr id="1038" name="Picture 14" descr="국민들 분노케한 충격적 사건 알게 해준 회사…연봉은? - 1등 인터넷뉴스 조선닷컴 - 기업&amp;">
+            <a:extLst>
+              <a:ext uri="{FF2B5EF4-FFF2-40B4-BE49-F238E27FC236}">
+                <a16:creationId xmlns:a16="http://schemas.microsoft.com/office/drawing/2014/main" id="{7BF99446-7F0D-6944-B807-DBC639D31011}"/>
+              </a:ext>
+            </a:extLst>
+          </p:cNvPr>
+          <p:cNvPicPr>
+            <a:picLocks noChangeAspect="1" noChangeArrowheads="1"/>
+          </p:cNvPicPr>
+          <p:nvPr/>
+        </p:nvPicPr>
+        <p:blipFill rotWithShape="1">
+          <a:blip r:embed="rId7">
+            <a:extLst>
+              <a:ext uri="{28A0092B-C50C-407E-A947-70E740481C1C}">
+                <a14:useLocalDpi xmlns:a14="http://schemas.microsoft.com/office/drawing/2010/main" val="0"/>
+              </a:ext>
+            </a:extLst>
+          </a:blip>
+          <a:srcRect b="30357"/>
+          <a:stretch/>
+        </p:blipFill>
+        <p:spPr bwMode="auto">
+          <a:xfrm>
+            <a:off x="7988659" y="700441"/>
+            <a:ext cx="957633" cy="988034"/>
+          </a:xfrm>
+          <a:prstGeom prst="rect">
+            <a:avLst/>
+          </a:prstGeom>
+          <a:noFill/>
+          <a:extLst>
+            <a:ext uri="{909E8E84-426E-40DD-AFC4-6F175D3DCCD1}">
+              <a14:hiddenFill xmlns:a14="http://schemas.microsoft.com/office/drawing/2010/main">
+                <a:solidFill>
+                  <a:srgbClr val="FFFFFF"/>
+                </a:solidFill>
+              </a14:hiddenFill>
+            </a:ext>
+          </a:extLst>
+        </p:spPr>
+      </p:pic>
+      <p:pic>
+        <p:nvPicPr>
+          <p:cNvPr id="11" name="그림 10" descr="광장이(가) 표시된 사진&#10;&#10;자동 생성된 설명">
+            <a:extLst>
+              <a:ext uri="{FF2B5EF4-FFF2-40B4-BE49-F238E27FC236}">
+                <a16:creationId xmlns:a16="http://schemas.microsoft.com/office/drawing/2014/main" id="{08076168-65D6-6844-A442-21B1556563E5}"/>
+              </a:ext>
+            </a:extLst>
+          </p:cNvPr>
+          <p:cNvPicPr>
+            <a:picLocks noChangeAspect="1"/>
+          </p:cNvPicPr>
+          <p:nvPr/>
+        </p:nvPicPr>
+        <p:blipFill>
+          <a:blip r:embed="rId8"/>
+          <a:stretch>
+            <a:fillRect/>
+          </a:stretch>
+        </p:blipFill>
+        <p:spPr>
+          <a:xfrm>
+            <a:off x="6063049" y="955790"/>
+            <a:ext cx="812800" cy="736600"/>
+          </a:xfrm>
+          <a:prstGeom prst="rect">
+            <a:avLst/>
+          </a:prstGeom>
+        </p:spPr>
+      </p:pic>
+      <p:pic>
+        <p:nvPicPr>
+          <p:cNvPr id="13" name="그림 12">
+            <a:extLst>
+              <a:ext uri="{FF2B5EF4-FFF2-40B4-BE49-F238E27FC236}">
+                <a16:creationId xmlns:a16="http://schemas.microsoft.com/office/drawing/2014/main" id="{90B9D5CD-0501-264F-B0A8-922A5561D79F}"/>
+              </a:ext>
+            </a:extLst>
+          </p:cNvPr>
+          <p:cNvPicPr>
+            <a:picLocks noChangeAspect="1"/>
+          </p:cNvPicPr>
+          <p:nvPr/>
+        </p:nvPicPr>
+        <p:blipFill>
+          <a:blip r:embed="rId9"/>
+          <a:stretch>
+            <a:fillRect/>
+          </a:stretch>
+        </p:blipFill>
+        <p:spPr>
+          <a:xfrm>
+            <a:off x="10011444" y="1524203"/>
+            <a:ext cx="482600" cy="355600"/>
+          </a:xfrm>
+          <a:prstGeom prst="rect">
+            <a:avLst/>
+          </a:prstGeom>
+        </p:spPr>
+      </p:pic>
+      <p:pic>
+        <p:nvPicPr>
+          <p:cNvPr id="1048" name="Picture 24">
+            <a:extLst>
+              <a:ext uri="{FF2B5EF4-FFF2-40B4-BE49-F238E27FC236}">
+                <a16:creationId xmlns:a16="http://schemas.microsoft.com/office/drawing/2014/main" id="{95AF1FDA-8763-7E4D-BE90-22F061E349F0}"/>
+              </a:ext>
+            </a:extLst>
+          </p:cNvPr>
+          <p:cNvPicPr>
+            <a:picLocks noChangeAspect="1" noChangeArrowheads="1"/>
+          </p:cNvPicPr>
+          <p:nvPr/>
+        </p:nvPicPr>
+        <p:blipFill>
+          <a:blip r:embed="rId10">
+            <a:extLst>
+              <a:ext uri="{28A0092B-C50C-407E-A947-70E740481C1C}">
+                <a14:useLocalDpi xmlns:a14="http://schemas.microsoft.com/office/drawing/2010/main" val="0"/>
+              </a:ext>
+            </a:extLst>
+          </a:blip>
+          <a:srcRect/>
+          <a:stretch>
+            <a:fillRect/>
+          </a:stretch>
+        </p:blipFill>
+        <p:spPr bwMode="auto">
+          <a:xfrm>
+            <a:off x="7014882" y="5329060"/>
+            <a:ext cx="973777" cy="324592"/>
+          </a:xfrm>
+          <a:prstGeom prst="rect">
+            <a:avLst/>
+          </a:prstGeom>
+          <a:noFill/>
+          <a:extLst>
+            <a:ext uri="{909E8E84-426E-40DD-AFC4-6F175D3DCCD1}">
+              <a14:hiddenFill xmlns:a14="http://schemas.microsoft.com/office/drawing/2010/main">
+                <a:solidFill>
+                  <a:srgbClr val="FFFFFF"/>
+                </a:solidFill>
+              </a14:hiddenFill>
+            </a:ext>
+          </a:extLst>
+        </p:spPr>
+      </p:pic>
+      <p:pic>
+        <p:nvPicPr>
+          <p:cNvPr id="1050" name="Picture 26">
+            <a:extLst>
+              <a:ext uri="{FF2B5EF4-FFF2-40B4-BE49-F238E27FC236}">
+                <a16:creationId xmlns:a16="http://schemas.microsoft.com/office/drawing/2014/main" id="{1FDD3D77-C9A3-2F41-A769-1931BE92DEFD}"/>
+              </a:ext>
+            </a:extLst>
+          </p:cNvPr>
+          <p:cNvPicPr>
+            <a:picLocks noChangeAspect="1" noChangeArrowheads="1"/>
+          </p:cNvPicPr>
+          <p:nvPr/>
+        </p:nvPicPr>
+        <p:blipFill>
+          <a:blip r:embed="rId11">
+            <a:extLst>
+              <a:ext uri="{28A0092B-C50C-407E-A947-70E740481C1C}">
+                <a14:useLocalDpi xmlns:a14="http://schemas.microsoft.com/office/drawing/2010/main" val="0"/>
+              </a:ext>
+            </a:extLst>
+          </a:blip>
+          <a:srcRect/>
+          <a:stretch>
+            <a:fillRect/>
+          </a:stretch>
+        </p:blipFill>
+        <p:spPr bwMode="auto">
+          <a:xfrm>
+            <a:off x="8099309" y="5702446"/>
+            <a:ext cx="1530466" cy="276201"/>
+          </a:xfrm>
+          <a:prstGeom prst="rect">
+            <a:avLst/>
+          </a:prstGeom>
+          <a:noFill/>
+          <a:extLst>
+            <a:ext uri="{909E8E84-426E-40DD-AFC4-6F175D3DCCD1}">
+              <a14:hiddenFill xmlns:a14="http://schemas.microsoft.com/office/drawing/2010/main">
+                <a:solidFill>
+                  <a:srgbClr val="FFFFFF"/>
+                </a:solidFill>
+              </a14:hiddenFill>
+            </a:ext>
+          </a:extLst>
+        </p:spPr>
+      </p:pic>
+      <p:pic>
+        <p:nvPicPr>
+          <p:cNvPr id="1054" name="Picture 30" descr="리디북스 백엔드 서버 개발자 지원하세요 : 네이버 블로그">
+            <a:extLst>
+              <a:ext uri="{FF2B5EF4-FFF2-40B4-BE49-F238E27FC236}">
+                <a16:creationId xmlns:a16="http://schemas.microsoft.com/office/drawing/2014/main" id="{0DAF7908-1EA5-4C49-AEB5-43F4CAACBB74}"/>
+              </a:ext>
+            </a:extLst>
+          </p:cNvPr>
+          <p:cNvPicPr>
+            <a:picLocks noChangeAspect="1" noChangeArrowheads="1"/>
+          </p:cNvPicPr>
+          <p:nvPr/>
+        </p:nvPicPr>
+        <p:blipFill>
+          <a:blip r:embed="rId12">
+            <a:extLst>
+              <a:ext uri="{28A0092B-C50C-407E-A947-70E740481C1C}">
+                <a14:useLocalDpi xmlns:a14="http://schemas.microsoft.com/office/drawing/2010/main" val="0"/>
+              </a:ext>
+            </a:extLst>
+          </a:blip>
+          <a:srcRect/>
+          <a:stretch>
+            <a:fillRect/>
+          </a:stretch>
+        </p:blipFill>
+        <p:spPr bwMode="auto">
+          <a:xfrm>
+            <a:off x="7886992" y="4836985"/>
+            <a:ext cx="1362187" cy="750267"/>
+          </a:xfrm>
+          <a:prstGeom prst="rect">
+            <a:avLst/>
+          </a:prstGeom>
+          <a:noFill/>
+          <a:extLst>
+            <a:ext uri="{909E8E84-426E-40DD-AFC4-6F175D3DCCD1}">
+              <a14:hiddenFill xmlns:a14="http://schemas.microsoft.com/office/drawing/2010/main">
+                <a:solidFill>
+                  <a:srgbClr val="FFFFFF"/>
+                </a:solidFill>
+              </a14:hiddenFill>
+            </a:ext>
+          </a:extLst>
+        </p:spPr>
+      </p:pic>
+    </p:spTree>
+    <p:extLst>
+      <p:ext uri="{BB962C8B-B14F-4D97-AF65-F5344CB8AC3E}">
+        <p14:creationId xmlns:p14="http://schemas.microsoft.com/office/powerpoint/2010/main" val="876854048"/>
+      </p:ext>
+    </p:extLst>
+  </p:cSld>
+  <p:clrMapOvr>
+    <a:masterClrMapping/>
+  </p:clrMapOvr>
+</p:sld>
+</file>
+
+<file path=ppt/slides/slide6.xml><?xml version="1.0" encoding="utf-8"?>
+<p:sld xmlns:a="http://schemas.openxmlformats.org/drawingml/2006/main" xmlns:r="http://schemas.openxmlformats.org/officeDocument/2006/relationships" xmlns:p="http://schemas.openxmlformats.org/presentationml/2006/main">
+  <p:cSld>
+    <p:spTree>
+      <p:nvGrpSpPr>
+        <p:cNvPr id="1" name=""/>
+        <p:cNvGrpSpPr/>
+        <p:nvPr/>
+      </p:nvGrpSpPr>
+      <p:grpSpPr>
+        <a:xfrm>
+          <a:off x="0" y="0"/>
+          <a:ext cx="0" cy="0"/>
+          <a:chOff x="0" y="0"/>
+          <a:chExt cx="0" cy="0"/>
+        </a:xfrm>
+      </p:grpSpPr>
+    </p:spTree>
+    <p:extLst>
+      <p:ext uri="{BB962C8B-B14F-4D97-AF65-F5344CB8AC3E}">
+        <p14:creationId xmlns:p14="http://schemas.microsoft.com/office/powerpoint/2010/main" val="2122664424"/>
+      </p:ext>
+    </p:extLst>
+  </p:cSld>
+  <p:clrMapOvr>
+    <a:masterClrMapping/>
+  </p:clrMapOvr>
+</p:sld>
+</file>
+
+<file path=ppt/slides/slide7.xml><?xml version="1.0" encoding="utf-8"?>
+<p:sld xmlns:a="http://schemas.openxmlformats.org/drawingml/2006/main" xmlns:r="http://schemas.openxmlformats.org/officeDocument/2006/relationships" xmlns:p="http://schemas.openxmlformats.org/presentationml/2006/main">
+  <p:cSld>
+    <p:spTree>
+      <p:nvGrpSpPr>
+        <p:cNvPr id="1" name=""/>
+        <p:cNvGrpSpPr/>
+        <p:nvPr/>
+      </p:nvGrpSpPr>
+      <p:grpSpPr>
+        <a:xfrm>
+          <a:off x="0" y="0"/>
+          <a:ext cx="0" cy="0"/>
+          <a:chOff x="0" y="0"/>
+          <a:chExt cx="0" cy="0"/>
+        </a:xfrm>
+      </p:grpSpPr>
+    </p:spTree>
+    <p:extLst>
+      <p:ext uri="{BB962C8B-B14F-4D97-AF65-F5344CB8AC3E}">
+        <p14:creationId xmlns:p14="http://schemas.microsoft.com/office/powerpoint/2010/main" val="2114822109"/>
+      </p:ext>
+    </p:extLst>
+  </p:cSld>
+  <p:clrMapOvr>
+    <a:masterClrMapping/>
+  </p:clrMapOvr>
+</p:sld>
+</file>
+
+<file path=ppt/slides/slide8.xml><?xml version="1.0" encoding="utf-8"?>
+<p:sld xmlns:a="http://schemas.openxmlformats.org/drawingml/2006/main" xmlns:r="http://schemas.openxmlformats.org/officeDocument/2006/relationships" xmlns:p="http://schemas.openxmlformats.org/presentationml/2006/main">
+  <p:cSld>
+    <p:spTree>
+      <p:nvGrpSpPr>
+        <p:cNvPr id="1" name=""/>
+        <p:cNvGrpSpPr/>
+        <p:nvPr/>
+      </p:nvGrpSpPr>
+      <p:grpSpPr>
+        <a:xfrm>
+          <a:off x="0" y="0"/>
+          <a:ext cx="0" cy="0"/>
+          <a:chOff x="0" y="0"/>
+          <a:chExt cx="0" cy="0"/>
+        </a:xfrm>
+      </p:grpSpPr>
+    </p:spTree>
+    <p:extLst>
+      <p:ext uri="{BB962C8B-B14F-4D97-AF65-F5344CB8AC3E}">
+        <p14:creationId xmlns:p14="http://schemas.microsoft.com/office/powerpoint/2010/main" val="1135897250"/>
       </p:ext>
     </p:extLst>
   </p:cSld>
